--- a/PP sources/Apresentação7.pptx
+++ b/PP sources/Apresentação7.pptx
@@ -124,62 +124,32 @@
 <file path=ppt/changesInfos/changesInfo1.xml><?xml version="1.0" encoding="utf-8"?>
 <pc:chgInfo xmlns:a="http://schemas.openxmlformats.org/drawingml/2006/main" xmlns:r="http://schemas.openxmlformats.org/officeDocument/2006/relationships" xmlns:ac="http://schemas.microsoft.com/office/drawing/2013/main/command" xmlns:pc="http://schemas.microsoft.com/office/powerpoint/2013/main/command">
   <pc:docChgLst>
-    <pc:chgData name="barbara rohr decothe fonseca" userId="d3e3ae65fa061bff" providerId="LiveId" clId="{1974811C-1B9F-406E-85B4-C02517653BD0}"/>
-    <pc:docChg chg="custSel addSld modSld">
-      <pc:chgData name="barbara rohr decothe fonseca" userId="d3e3ae65fa061bff" providerId="LiveId" clId="{1974811C-1B9F-406E-85B4-C02517653BD0}" dt="2022-11-04T23:04:05.212" v="191" actId="1076"/>
+    <pc:chgData name="barbara rohr decothe fonseca" userId="d3e3ae65fa061bff" providerId="LiveId" clId="{02952D78-8095-4D04-8033-87B62FE1746B}"/>
+    <pc:docChg chg="addSld delSld modSld">
+      <pc:chgData name="barbara rohr decothe fonseca" userId="d3e3ae65fa061bff" providerId="LiveId" clId="{02952D78-8095-4D04-8033-87B62FE1746B}" dt="2025-11-21T15:55:00.026" v="4" actId="2696"/>
       <pc:docMkLst>
         <pc:docMk/>
       </pc:docMkLst>
-      <pc:sldChg chg="addSp modSp mod">
-        <pc:chgData name="barbara rohr decothe fonseca" userId="d3e3ae65fa061bff" providerId="LiveId" clId="{1974811C-1B9F-406E-85B4-C02517653BD0}" dt="2022-11-04T22:34:53.294" v="79" actId="164"/>
+      <pc:sldChg chg="addSp modSp new del mod">
+        <pc:chgData name="barbara rohr decothe fonseca" userId="d3e3ae65fa061bff" providerId="LiveId" clId="{02952D78-8095-4D04-8033-87B62FE1746B}" dt="2025-11-21T15:55:00.026" v="4" actId="2696"/>
         <pc:sldMkLst>
           <pc:docMk/>
-          <pc:sldMk cId="1021374168" sldId="258"/>
+          <pc:sldMk cId="3759913716" sldId="271"/>
         </pc:sldMkLst>
-      </pc:sldChg>
-      <pc:sldChg chg="addSp delSp modSp mod">
-        <pc:chgData name="barbara rohr decothe fonseca" userId="d3e3ae65fa061bff" providerId="LiveId" clId="{1974811C-1B9F-406E-85B4-C02517653BD0}" dt="2022-11-04T22:50:16.290" v="99" actId="21"/>
-        <pc:sldMkLst>
-          <pc:docMk/>
-          <pc:sldMk cId="1785761377" sldId="259"/>
-        </pc:sldMkLst>
-      </pc:sldChg>
-      <pc:sldChg chg="addSp delSp modSp new mod">
-        <pc:chgData name="barbara rohr decothe fonseca" userId="d3e3ae65fa061bff" providerId="LiveId" clId="{1974811C-1B9F-406E-85B4-C02517653BD0}" dt="2022-11-04T23:04:05.212" v="191" actId="1076"/>
-        <pc:sldMkLst>
-          <pc:docMk/>
-          <pc:sldMk cId="1159742796" sldId="262"/>
-        </pc:sldMkLst>
-      </pc:sldChg>
-    </pc:docChg>
-  </pc:docChgLst>
-  <pc:docChgLst>
-    <pc:chgData name="barbara rohr decothe fonseca" userId="d3e3ae65fa061bff" providerId="LiveId" clId="{E705F30D-9D1F-42F9-949E-8662EB444936}"/>
-    <pc:docChg chg="custSel modSld">
-      <pc:chgData name="barbara rohr decothe fonseca" userId="d3e3ae65fa061bff" providerId="LiveId" clId="{E705F30D-9D1F-42F9-949E-8662EB444936}" dt="2024-12-14T21:57:56.922" v="60" actId="478"/>
-      <pc:docMkLst>
-        <pc:docMk/>
-      </pc:docMkLst>
-      <pc:sldChg chg="addSp delSp modSp mod">
-        <pc:chgData name="barbara rohr decothe fonseca" userId="d3e3ae65fa061bff" providerId="LiveId" clId="{E705F30D-9D1F-42F9-949E-8662EB444936}" dt="2024-12-14T21:57:56.922" v="60" actId="478"/>
-        <pc:sldMkLst>
-          <pc:docMk/>
-          <pc:sldMk cId="2410645819" sldId="269"/>
-        </pc:sldMkLst>
+        <pc:graphicFrameChg chg="add mod">
+          <ac:chgData name="barbara rohr decothe fonseca" userId="d3e3ae65fa061bff" providerId="LiveId" clId="{02952D78-8095-4D04-8033-87B62FE1746B}" dt="2025-11-21T15:53:58.010" v="1"/>
+          <ac:graphicFrameMkLst>
+            <pc:docMk/>
+            <pc:sldMk cId="3759913716" sldId="271"/>
+            <ac:graphicFrameMk id="2" creationId="{C6479BD8-5696-F741-0DA1-9A545192F4A6}"/>
+          </ac:graphicFrameMkLst>
+        </pc:graphicFrameChg>
         <pc:picChg chg="add mod">
-          <ac:chgData name="barbara rohr decothe fonseca" userId="d3e3ae65fa061bff" providerId="LiveId" clId="{E705F30D-9D1F-42F9-949E-8662EB444936}" dt="2024-12-14T21:57:52.618" v="59" actId="1076"/>
+          <ac:chgData name="barbara rohr decothe fonseca" userId="d3e3ae65fa061bff" providerId="LiveId" clId="{02952D78-8095-4D04-8033-87B62FE1746B}" dt="2025-11-21T15:54:26.992" v="3" actId="1076"/>
           <ac:picMkLst>
             <pc:docMk/>
-            <pc:sldMk cId="2410645819" sldId="269"/>
-            <ac:picMk id="4" creationId="{300E7EAE-C2C6-F2D6-C833-5B02577F6C01}"/>
-          </ac:picMkLst>
-        </pc:picChg>
-        <pc:picChg chg="del">
-          <ac:chgData name="barbara rohr decothe fonseca" userId="d3e3ae65fa061bff" providerId="LiveId" clId="{E705F30D-9D1F-42F9-949E-8662EB444936}" dt="2024-12-14T21:57:56.922" v="60" actId="478"/>
-          <ac:picMkLst>
-            <pc:docMk/>
-            <pc:sldMk cId="2410645819" sldId="269"/>
-            <ac:picMk id="6" creationId="{6195FC84-9908-FA86-B8B6-A133ED59D4D9}"/>
+            <pc:sldMk cId="3759913716" sldId="271"/>
+            <ac:picMk id="3" creationId="{E681B059-67C1-EB53-EF36-4600914A72BD}"/>
           </ac:picMkLst>
         </pc:picChg>
       </pc:sldChg>
@@ -381,6 +351,7 @@
     </c:plotArea>
     <c:plotVisOnly val="1"/>
     <c:dispBlanksAs val="gap"/>
+    <c:showDLblsOverMax val="0"/>
     <c:extLst>
       <c:ext xmlns:c16r3="http://schemas.microsoft.com/office/drawing/2017/03/chart" uri="{56B9EC1D-385E-4148-901F-78D8002777C0}">
         <c16r3:dataDisplayOptions16>
@@ -388,7 +359,6 @@
         </c16r3:dataDisplayOptions16>
       </c:ext>
     </c:extLst>
-    <c:showDLblsOverMax val="0"/>
   </c:chart>
   <c:spPr>
     <a:noFill/>
@@ -606,6 +576,7 @@
     </c:plotArea>
     <c:plotVisOnly val="1"/>
     <c:dispBlanksAs val="gap"/>
+    <c:showDLblsOverMax val="0"/>
     <c:extLst>
       <c:ext xmlns:c16r3="http://schemas.microsoft.com/office/drawing/2017/03/chart" uri="{56B9EC1D-385E-4148-901F-78D8002777C0}">
         <c16r3:dataDisplayOptions16>
@@ -613,7 +584,6 @@
         </c16r3:dataDisplayOptions16>
       </c:ext>
     </c:extLst>
-    <c:showDLblsOverMax val="0"/>
   </c:chart>
   <c:spPr>
     <a:noFill/>
@@ -889,6 +859,7 @@
     </c:plotArea>
     <c:plotVisOnly val="1"/>
     <c:dispBlanksAs val="zero"/>
+    <c:showDLblsOverMax val="0"/>
     <c:extLst>
       <c:ext xmlns:c16r3="http://schemas.microsoft.com/office/drawing/2017/03/chart" uri="{56B9EC1D-385E-4148-901F-78D8002777C0}">
         <c16r3:dataDisplayOptions16>
@@ -896,7 +867,6 @@
         </c16r3:dataDisplayOptions16>
       </c:ext>
     </c:extLst>
-    <c:showDLblsOverMax val="0"/>
   </c:chart>
   <c:spPr>
     <a:noFill/>
@@ -2699,7 +2669,7 @@
           <a:p>
             <a:fld id="{ABD15B8E-4271-443A-A0C2-A42BEEFB1B66}" type="datetimeFigureOut">
               <a:rPr lang="pt-BR" smtClean="0"/>
-              <a:t>14/12/2024</a:t>
+              <a:t>21/11/2025</a:t>
             </a:fld>
             <a:endParaRPr lang="pt-BR"/>
           </a:p>
@@ -2869,7 +2839,7 @@
           <a:p>
             <a:fld id="{ABD15B8E-4271-443A-A0C2-A42BEEFB1B66}" type="datetimeFigureOut">
               <a:rPr lang="pt-BR" smtClean="0"/>
-              <a:t>14/12/2024</a:t>
+              <a:t>21/11/2025</a:t>
             </a:fld>
             <a:endParaRPr lang="pt-BR"/>
           </a:p>
@@ -3049,7 +3019,7 @@
           <a:p>
             <a:fld id="{ABD15B8E-4271-443A-A0C2-A42BEEFB1B66}" type="datetimeFigureOut">
               <a:rPr lang="pt-BR" smtClean="0"/>
-              <a:t>14/12/2024</a:t>
+              <a:t>21/11/2025</a:t>
             </a:fld>
             <a:endParaRPr lang="pt-BR"/>
           </a:p>
@@ -3219,7 +3189,7 @@
           <a:p>
             <a:fld id="{ABD15B8E-4271-443A-A0C2-A42BEEFB1B66}" type="datetimeFigureOut">
               <a:rPr lang="pt-BR" smtClean="0"/>
-              <a:t>14/12/2024</a:t>
+              <a:t>21/11/2025</a:t>
             </a:fld>
             <a:endParaRPr lang="pt-BR"/>
           </a:p>
@@ -3465,7 +3435,7 @@
           <a:p>
             <a:fld id="{ABD15B8E-4271-443A-A0C2-A42BEEFB1B66}" type="datetimeFigureOut">
               <a:rPr lang="pt-BR" smtClean="0"/>
-              <a:t>14/12/2024</a:t>
+              <a:t>21/11/2025</a:t>
             </a:fld>
             <a:endParaRPr lang="pt-BR"/>
           </a:p>
@@ -3697,7 +3667,7 @@
           <a:p>
             <a:fld id="{ABD15B8E-4271-443A-A0C2-A42BEEFB1B66}" type="datetimeFigureOut">
               <a:rPr lang="pt-BR" smtClean="0"/>
-              <a:t>14/12/2024</a:t>
+              <a:t>21/11/2025</a:t>
             </a:fld>
             <a:endParaRPr lang="pt-BR"/>
           </a:p>
@@ -4064,7 +4034,7 @@
           <a:p>
             <a:fld id="{ABD15B8E-4271-443A-A0C2-A42BEEFB1B66}" type="datetimeFigureOut">
               <a:rPr lang="pt-BR" smtClean="0"/>
-              <a:t>14/12/2024</a:t>
+              <a:t>21/11/2025</a:t>
             </a:fld>
             <a:endParaRPr lang="pt-BR"/>
           </a:p>
@@ -4182,7 +4152,7 @@
           <a:p>
             <a:fld id="{ABD15B8E-4271-443A-A0C2-A42BEEFB1B66}" type="datetimeFigureOut">
               <a:rPr lang="pt-BR" smtClean="0"/>
-              <a:t>14/12/2024</a:t>
+              <a:t>21/11/2025</a:t>
             </a:fld>
             <a:endParaRPr lang="pt-BR"/>
           </a:p>
@@ -4277,7 +4247,7 @@
           <a:p>
             <a:fld id="{ABD15B8E-4271-443A-A0C2-A42BEEFB1B66}" type="datetimeFigureOut">
               <a:rPr lang="pt-BR" smtClean="0"/>
-              <a:t>14/12/2024</a:t>
+              <a:t>21/11/2025</a:t>
             </a:fld>
             <a:endParaRPr lang="pt-BR"/>
           </a:p>
@@ -4554,7 +4524,7 @@
           <a:p>
             <a:fld id="{ABD15B8E-4271-443A-A0C2-A42BEEFB1B66}" type="datetimeFigureOut">
               <a:rPr lang="pt-BR" smtClean="0"/>
-              <a:t>14/12/2024</a:t>
+              <a:t>21/11/2025</a:t>
             </a:fld>
             <a:endParaRPr lang="pt-BR"/>
           </a:p>
@@ -4811,7 +4781,7 @@
           <a:p>
             <a:fld id="{ABD15B8E-4271-443A-A0C2-A42BEEFB1B66}" type="datetimeFigureOut">
               <a:rPr lang="pt-BR" smtClean="0"/>
-              <a:t>14/12/2024</a:t>
+              <a:t>21/11/2025</a:t>
             </a:fld>
             <a:endParaRPr lang="pt-BR"/>
           </a:p>
@@ -5024,7 +4994,7 @@
           <a:p>
             <a:fld id="{ABD15B8E-4271-443A-A0C2-A42BEEFB1B66}" type="datetimeFigureOut">
               <a:rPr lang="pt-BR" smtClean="0"/>
-              <a:t>14/12/2024</a:t>
+              <a:t>21/11/2025</a:t>
             </a:fld>
             <a:endParaRPr lang="pt-BR"/>
           </a:p>
